--- a/Web/Flask+Vue.pptx
+++ b/Web/Flask+Vue.pptx
@@ -166,8 +166,8 @@
           </a:lstStyle>
           <a:p>
             <a:endParaRPr lang="zh-CN" altLang="en-US">
-              <a:latin typeface="Microsoft YaHei" panose="020B0503020204020204" charset="-122"/>
-              <a:ea typeface="Microsoft YaHei" panose="020B0503020204020204" charset="-122"/>
+              <a:latin typeface="微软雅黑" panose="020B0503020204020204" charset="-122"/>
+              <a:ea typeface="微软雅黑" panose="020B0503020204020204" charset="-122"/>
             </a:endParaRPr>
           </a:p>
         </p:txBody>
@@ -201,13 +201,13 @@
           <a:p>
             <a:fld id="{0F9B84EA-7D68-4D60-9CB1-D50884785D1C}" type="datetimeFigureOut">
               <a:rPr lang="zh-CN" altLang="en-US" smtClean="0">
-                <a:latin typeface="Microsoft YaHei" panose="020B0503020204020204" charset="-122"/>
-                <a:ea typeface="Microsoft YaHei" panose="020B0503020204020204" charset="-122"/>
+                <a:latin typeface="微软雅黑" panose="020B0503020204020204" charset="-122"/>
+                <a:ea typeface="微软雅黑" panose="020B0503020204020204" charset="-122"/>
               </a:rPr>
             </a:fld>
             <a:endParaRPr lang="zh-CN" altLang="en-US" smtClean="0">
-              <a:latin typeface="Microsoft YaHei" panose="020B0503020204020204" charset="-122"/>
-              <a:ea typeface="Microsoft YaHei" panose="020B0503020204020204" charset="-122"/>
+              <a:latin typeface="微软雅黑" panose="020B0503020204020204" charset="-122"/>
+              <a:ea typeface="微软雅黑" panose="020B0503020204020204" charset="-122"/>
             </a:endParaRPr>
           </a:p>
         </p:txBody>
@@ -240,8 +240,8 @@
           </a:lstStyle>
           <a:p>
             <a:endParaRPr lang="zh-CN" altLang="en-US">
-              <a:latin typeface="Microsoft YaHei" panose="020B0503020204020204" charset="-122"/>
-              <a:ea typeface="Microsoft YaHei" panose="020B0503020204020204" charset="-122"/>
+              <a:latin typeface="微软雅黑" panose="020B0503020204020204" charset="-122"/>
+              <a:ea typeface="微软雅黑" panose="020B0503020204020204" charset="-122"/>
             </a:endParaRPr>
           </a:p>
         </p:txBody>
@@ -275,13 +275,13 @@
           <a:p>
             <a:fld id="{8D4E0FC9-F1F8-4FAE-9988-3BA365CFD46F}" type="slidenum">
               <a:rPr lang="zh-CN" altLang="en-US" smtClean="0">
-                <a:latin typeface="Microsoft YaHei" panose="020B0503020204020204" charset="-122"/>
-                <a:ea typeface="Microsoft YaHei" panose="020B0503020204020204" charset="-122"/>
+                <a:latin typeface="微软雅黑" panose="020B0503020204020204" charset="-122"/>
+                <a:ea typeface="微软雅黑" panose="020B0503020204020204" charset="-122"/>
               </a:rPr>
             </a:fld>
             <a:endParaRPr lang="zh-CN" altLang="en-US" smtClean="0">
-              <a:latin typeface="Microsoft YaHei" panose="020B0503020204020204" charset="-122"/>
-              <a:ea typeface="Microsoft YaHei" panose="020B0503020204020204" charset="-122"/>
+              <a:latin typeface="微软雅黑" panose="020B0503020204020204" charset="-122"/>
+              <a:ea typeface="微软雅黑" panose="020B0503020204020204" charset="-122"/>
             </a:endParaRPr>
           </a:p>
         </p:txBody>
@@ -338,8 +338,8 @@
           <a:lstStyle>
             <a:lvl1pPr algn="l">
               <a:defRPr sz="1200">
-                <a:latin typeface="Microsoft YaHei" panose="020B0503020204020204" charset="-122"/>
-                <a:ea typeface="Microsoft YaHei" panose="020B0503020204020204" charset="-122"/>
+                <a:latin typeface="微软雅黑" panose="020B0503020204020204" charset="-122"/>
+                <a:ea typeface="微软雅黑" panose="020B0503020204020204" charset="-122"/>
               </a:defRPr>
             </a:lvl1pPr>
           </a:lstStyle>
@@ -372,8 +372,8 @@
           <a:lstStyle>
             <a:lvl1pPr algn="r">
               <a:defRPr sz="1200">
-                <a:latin typeface="Microsoft YaHei" panose="020B0503020204020204" charset="-122"/>
-                <a:ea typeface="Microsoft YaHei" panose="020B0503020204020204" charset="-122"/>
+                <a:latin typeface="微软雅黑" panose="020B0503020204020204" charset="-122"/>
+                <a:ea typeface="微软雅黑" panose="020B0503020204020204" charset="-122"/>
               </a:defRPr>
             </a:lvl1pPr>
           </a:lstStyle>
@@ -506,8 +506,8 @@
           <a:lstStyle>
             <a:lvl1pPr algn="l">
               <a:defRPr sz="1200">
-                <a:latin typeface="Microsoft YaHei" panose="020B0503020204020204" charset="-122"/>
-                <a:ea typeface="Microsoft YaHei" panose="020B0503020204020204" charset="-122"/>
+                <a:latin typeface="微软雅黑" panose="020B0503020204020204" charset="-122"/>
+                <a:ea typeface="微软雅黑" panose="020B0503020204020204" charset="-122"/>
               </a:defRPr>
             </a:lvl1pPr>
           </a:lstStyle>
@@ -540,8 +540,8 @@
           <a:lstStyle>
             <a:lvl1pPr algn="r">
               <a:defRPr sz="1200">
-                <a:latin typeface="Microsoft YaHei" panose="020B0503020204020204" charset="-122"/>
-                <a:ea typeface="Microsoft YaHei" panose="020B0503020204020204" charset="-122"/>
+                <a:latin typeface="微软雅黑" panose="020B0503020204020204" charset="-122"/>
+                <a:ea typeface="微软雅黑" panose="020B0503020204020204" charset="-122"/>
               </a:defRPr>
             </a:lvl1pPr>
           </a:lstStyle>
@@ -562,8 +562,8 @@
         <a:solidFill>
           <a:schemeClr val="tx1"/>
         </a:solidFill>
-        <a:latin typeface="Microsoft YaHei" panose="020B0503020204020204" charset="-122"/>
-        <a:ea typeface="Microsoft YaHei" panose="020B0503020204020204" charset="-122"/>
+        <a:latin typeface="微软雅黑" panose="020B0503020204020204" charset="-122"/>
+        <a:ea typeface="微软雅黑" panose="020B0503020204020204" charset="-122"/>
         <a:cs typeface="+mn-cs"/>
       </a:defRPr>
     </a:lvl1pPr>
@@ -572,8 +572,8 @@
         <a:solidFill>
           <a:schemeClr val="tx1"/>
         </a:solidFill>
-        <a:latin typeface="Microsoft YaHei" panose="020B0503020204020204" charset="-122"/>
-        <a:ea typeface="Microsoft YaHei" panose="020B0503020204020204" charset="-122"/>
+        <a:latin typeface="微软雅黑" panose="020B0503020204020204" charset="-122"/>
+        <a:ea typeface="微软雅黑" panose="020B0503020204020204" charset="-122"/>
         <a:cs typeface="+mn-cs"/>
       </a:defRPr>
     </a:lvl2pPr>
@@ -582,8 +582,8 @@
         <a:solidFill>
           <a:schemeClr val="tx1"/>
         </a:solidFill>
-        <a:latin typeface="Microsoft YaHei" panose="020B0503020204020204" charset="-122"/>
-        <a:ea typeface="Microsoft YaHei" panose="020B0503020204020204" charset="-122"/>
+        <a:latin typeface="微软雅黑" panose="020B0503020204020204" charset="-122"/>
+        <a:ea typeface="微软雅黑" panose="020B0503020204020204" charset="-122"/>
         <a:cs typeface="+mn-cs"/>
       </a:defRPr>
     </a:lvl3pPr>
@@ -592,8 +592,8 @@
         <a:solidFill>
           <a:schemeClr val="tx1"/>
         </a:solidFill>
-        <a:latin typeface="Microsoft YaHei" panose="020B0503020204020204" charset="-122"/>
-        <a:ea typeface="Microsoft YaHei" panose="020B0503020204020204" charset="-122"/>
+        <a:latin typeface="微软雅黑" panose="020B0503020204020204" charset="-122"/>
+        <a:ea typeface="微软雅黑" panose="020B0503020204020204" charset="-122"/>
         <a:cs typeface="+mn-cs"/>
       </a:defRPr>
     </a:lvl4pPr>
@@ -602,8 +602,8 @@
         <a:solidFill>
           <a:schemeClr val="tx1"/>
         </a:solidFill>
-        <a:latin typeface="Microsoft YaHei" panose="020B0503020204020204" charset="-122"/>
-        <a:ea typeface="Microsoft YaHei" panose="020B0503020204020204" charset="-122"/>
+        <a:latin typeface="微软雅黑" panose="020B0503020204020204" charset="-122"/>
+        <a:ea typeface="微软雅黑" panose="020B0503020204020204" charset="-122"/>
         <a:cs typeface="+mn-cs"/>
       </a:defRPr>
     </a:lvl5pPr>
@@ -1587,7 +1587,7 @@
               <a:pPr algn="ctr"/>
               <a:endParaRPr lang="zh-CN" altLang="en-US" baseline="0">
                 <a:latin typeface="Arial" panose="020B0604020202020204" pitchFamily="34" charset="0"/>
-                <a:ea typeface="SimHei" panose="02010609060101010101" pitchFamily="49" charset="-122"/>
+                <a:ea typeface="黑体" panose="02010609060101010101" pitchFamily="49" charset="-122"/>
               </a:endParaRPr>
             </a:p>
           </p:txBody>
@@ -1638,7 +1638,7 @@
               <a:pPr algn="ctr"/>
               <a:endParaRPr lang="zh-CN" altLang="en-US" baseline="0">
                 <a:latin typeface="Arial" panose="020B0604020202020204" pitchFamily="34" charset="0"/>
-                <a:ea typeface="SimHei" panose="02010609060101010101" pitchFamily="49" charset="-122"/>
+                <a:ea typeface="黑体" panose="02010609060101010101" pitchFamily="49" charset="-122"/>
               </a:endParaRPr>
             </a:p>
           </p:txBody>
@@ -1691,7 +1691,7 @@
               <a:pPr algn="ctr"/>
               <a:endParaRPr lang="zh-CN" altLang="en-US" baseline="0">
                 <a:latin typeface="Arial" panose="020B0604020202020204" pitchFamily="34" charset="0"/>
-                <a:ea typeface="SimHei" panose="02010609060101010101" pitchFamily="49" charset="-122"/>
+                <a:ea typeface="黑体" panose="02010609060101010101" pitchFamily="49" charset="-122"/>
               </a:endParaRPr>
             </a:p>
           </p:txBody>
@@ -2491,7 +2491,7 @@
                 <a:schemeClr val="tx1"/>
               </a:solidFill>
               <a:latin typeface="Arial" panose="020B0604020202020204" pitchFamily="34" charset="0"/>
-              <a:ea typeface="SimHei" panose="02010609060101010101" pitchFamily="49" charset="-122"/>
+              <a:ea typeface="黑体" panose="02010609060101010101" pitchFamily="49" charset="-122"/>
             </a:endParaRPr>
           </a:p>
         </p:txBody>
@@ -3417,7 +3417,7 @@
         <a:spcBef>
           <a:spcPts val="1000"/>
         </a:spcBef>
-        <a:buFont typeface="SimHei" panose="02010609060101010101" pitchFamily="49" charset="-122"/>
+        <a:buFont typeface="黑体" panose="02010609060101010101" pitchFamily="49" charset="-122"/>
         <a:buChar char="〉"/>
         <a:defRPr sz="2400" kern="1200">
           <a:solidFill>
@@ -3741,10 +3741,15 @@
             </p:custDataLst>
           </p:nvPr>
         </p:nvSpPr>
-        <p:spPr/>
+        <p:spPr>
+          <a:xfrm>
+            <a:off x="1524000" y="5416810"/>
+            <a:ext cx="9144000" cy="376237"/>
+          </a:xfrm>
+        </p:spPr>
         <p:txBody>
           <a:bodyPr>
-            <a:normAutofit/>
+            <a:noAutofit/>
           </a:bodyPr>
           <a:p>
             <a:pPr marL="0" indent="0" algn="ctr">
@@ -3760,10 +3765,29 @@
               <a:buSzPct val="100000"/>
             </a:pPr>
             <a:r>
-              <a:rPr lang="en-US" altLang="zh-CN" sz="1700" smtClean="0"/>
+              <a:rPr lang="en-US" altLang="zh-CN" sz="1600" smtClean="0"/>
+              <a:t>Sparks Lu</a:t>
+            </a:r>
+            <a:endParaRPr lang="en-US" altLang="zh-CN" sz="1600" smtClean="0"/>
+          </a:p>
+          <a:p>
+            <a:pPr marL="0" indent="0" algn="ctr">
+              <a:lnSpc>
+                <a:spcPct val="90000"/>
+              </a:lnSpc>
+              <a:spcBef>
+                <a:spcPts val="1000"/>
+              </a:spcBef>
+              <a:spcAft>
+                <a:spcPts val="0"/>
+              </a:spcAft>
+              <a:buSzPct val="100000"/>
+            </a:pPr>
+            <a:r>
+              <a:rPr lang="en-US" altLang="zh-CN" sz="1600" smtClean="0"/>
               <a:t>Last updated: 8/29/2019</a:t>
             </a:r>
-            <a:endParaRPr lang="en-US" altLang="zh-CN" sz="1700" smtClean="0"/>
+            <a:endParaRPr lang="en-US" altLang="zh-CN" sz="1600" smtClean="0"/>
           </a:p>
         </p:txBody>
       </p:sp>
@@ -3980,8 +4004,71 @@
             <a:endParaRPr lang="en-US" altLang="zh-CN"/>
           </a:p>
           <a:p>
+            <a:pPr lvl="0"/>
+            <a:r>
+              <a:rPr lang="en-US" altLang="zh-CN" sz="2400"/>
+              <a:t>Redirect all to index.html</a:t>
+            </a:r>
+            <a:endParaRPr lang="en-US" altLang="zh-CN"/>
+          </a:p>
+          <a:p>
             <a:pPr lvl="1"/>
             <a:endParaRPr lang="en-US" altLang="zh-CN"/>
+          </a:p>
+        </p:txBody>
+      </p:sp>
+      <p:sp>
+        <p:nvSpPr>
+          <p:cNvPr id="4" name="文本框 3"/>
+          <p:cNvSpPr txBox="1"/>
+          <p:nvPr/>
+        </p:nvSpPr>
+        <p:spPr>
+          <a:xfrm>
+            <a:off x="2376170" y="2891155"/>
+            <a:ext cx="7700010" cy="1076325"/>
+          </a:xfrm>
+          <a:prstGeom prst="rect">
+            <a:avLst/>
+          </a:prstGeom>
+          <a:noFill/>
+          <a:ln>
+            <a:solidFill>
+              <a:srgbClr val="FFC000"/>
+            </a:solidFill>
+          </a:ln>
+        </p:spPr>
+        <p:txBody>
+          <a:bodyPr wrap="square" rtlCol="0">
+            <a:spAutoFit/>
+          </a:bodyPr>
+          <a:p>
+            <a:r>
+              <a:rPr lang="zh-CN" altLang="en-US" sz="1600"/>
+              <a:t>@app.route('/', defaults={'path': ''})</a:t>
+            </a:r>
+            <a:endParaRPr lang="zh-CN" altLang="en-US" sz="1600"/>
+          </a:p>
+          <a:p>
+            <a:r>
+              <a:rPr lang="zh-CN" altLang="en-US" sz="1600"/>
+              <a:t>@app.route('/&lt;path:path&gt;')</a:t>
+            </a:r>
+            <a:endParaRPr lang="zh-CN" altLang="en-US" sz="1600"/>
+          </a:p>
+          <a:p>
+            <a:r>
+              <a:rPr lang="zh-CN" altLang="en-US" sz="1600"/>
+              <a:t>def catch_all(path):</a:t>
+            </a:r>
+            <a:endParaRPr lang="zh-CN" altLang="en-US" sz="1600"/>
+          </a:p>
+          <a:p>
+            <a:r>
+              <a:rPr lang="zh-CN" altLang="en-US" sz="1600"/>
+              <a:t>    return render_template("index.html")</a:t>
+            </a:r>
+            <a:endParaRPr lang="zh-CN" altLang="en-US" sz="1600"/>
           </a:p>
         </p:txBody>
       </p:sp>
